--- a/Daily Agendas/Day2.1 VariableRelationshipsLab.pptx
+++ b/Daily Agendas/Day2.1 VariableRelationshipsLab.pptx
@@ -244,7 +244,7 @@
           <a:p>
             <a:fld id="{DBFDDC6D-30E6-4591-A5D6-EBA4A0A375E4}" type="datetimeFigureOut">
               <a:rPr lang="en-US" smtClean="0"/>
-              <a:t>2/9/2020</a:t>
+              <a:t>2/10/2020</a:t>
             </a:fld>
             <a:endParaRPr lang="en-US"/>
           </a:p>
@@ -414,7 +414,7 @@
           <a:p>
             <a:fld id="{DBFDDC6D-30E6-4591-A5D6-EBA4A0A375E4}" type="datetimeFigureOut">
               <a:rPr lang="en-US" smtClean="0"/>
-              <a:t>2/9/2020</a:t>
+              <a:t>2/10/2020</a:t>
             </a:fld>
             <a:endParaRPr lang="en-US"/>
           </a:p>
@@ -594,7 +594,7 @@
           <a:p>
             <a:fld id="{DBFDDC6D-30E6-4591-A5D6-EBA4A0A375E4}" type="datetimeFigureOut">
               <a:rPr lang="en-US" smtClean="0"/>
-              <a:t>2/9/2020</a:t>
+              <a:t>2/10/2020</a:t>
             </a:fld>
             <a:endParaRPr lang="en-US"/>
           </a:p>
@@ -764,7 +764,7 @@
           <a:p>
             <a:fld id="{DBFDDC6D-30E6-4591-A5D6-EBA4A0A375E4}" type="datetimeFigureOut">
               <a:rPr lang="en-US" smtClean="0"/>
-              <a:t>2/9/2020</a:t>
+              <a:t>2/10/2020</a:t>
             </a:fld>
             <a:endParaRPr lang="en-US"/>
           </a:p>
@@ -1008,7 +1008,7 @@
           <a:p>
             <a:fld id="{DBFDDC6D-30E6-4591-A5D6-EBA4A0A375E4}" type="datetimeFigureOut">
               <a:rPr lang="en-US" smtClean="0"/>
-              <a:t>2/9/2020</a:t>
+              <a:t>2/10/2020</a:t>
             </a:fld>
             <a:endParaRPr lang="en-US"/>
           </a:p>
@@ -1240,7 +1240,7 @@
           <a:p>
             <a:fld id="{DBFDDC6D-30E6-4591-A5D6-EBA4A0A375E4}" type="datetimeFigureOut">
               <a:rPr lang="en-US" smtClean="0"/>
-              <a:t>2/9/2020</a:t>
+              <a:t>2/10/2020</a:t>
             </a:fld>
             <a:endParaRPr lang="en-US"/>
           </a:p>
@@ -1607,7 +1607,7 @@
           <a:p>
             <a:fld id="{DBFDDC6D-30E6-4591-A5D6-EBA4A0A375E4}" type="datetimeFigureOut">
               <a:rPr lang="en-US" smtClean="0"/>
-              <a:t>2/9/2020</a:t>
+              <a:t>2/10/2020</a:t>
             </a:fld>
             <a:endParaRPr lang="en-US"/>
           </a:p>
@@ -1725,7 +1725,7 @@
           <a:p>
             <a:fld id="{DBFDDC6D-30E6-4591-A5D6-EBA4A0A375E4}" type="datetimeFigureOut">
               <a:rPr lang="en-US" smtClean="0"/>
-              <a:t>2/9/2020</a:t>
+              <a:t>2/10/2020</a:t>
             </a:fld>
             <a:endParaRPr lang="en-US"/>
           </a:p>
@@ -1820,7 +1820,7 @@
           <a:p>
             <a:fld id="{DBFDDC6D-30E6-4591-A5D6-EBA4A0A375E4}" type="datetimeFigureOut">
               <a:rPr lang="en-US" smtClean="0"/>
-              <a:t>2/9/2020</a:t>
+              <a:t>2/10/2020</a:t>
             </a:fld>
             <a:endParaRPr lang="en-US"/>
           </a:p>
@@ -2097,7 +2097,7 @@
           <a:p>
             <a:fld id="{DBFDDC6D-30E6-4591-A5D6-EBA4A0A375E4}" type="datetimeFigureOut">
               <a:rPr lang="en-US" smtClean="0"/>
-              <a:t>2/9/2020</a:t>
+              <a:t>2/10/2020</a:t>
             </a:fld>
             <a:endParaRPr lang="en-US"/>
           </a:p>
@@ -2354,7 +2354,7 @@
           <a:p>
             <a:fld id="{DBFDDC6D-30E6-4591-A5D6-EBA4A0A375E4}" type="datetimeFigureOut">
               <a:rPr lang="en-US" smtClean="0"/>
-              <a:t>2/9/2020</a:t>
+              <a:t>2/10/2020</a:t>
             </a:fld>
             <a:endParaRPr lang="en-US"/>
           </a:p>
@@ -2567,7 +2567,7 @@
           <a:p>
             <a:fld id="{DBFDDC6D-30E6-4591-A5D6-EBA4A0A375E4}" type="datetimeFigureOut">
               <a:rPr lang="en-US" smtClean="0"/>
-              <a:t>2/9/2020</a:t>
+              <a:t>2/10/2020</a:t>
             </a:fld>
             <a:endParaRPr lang="en-US"/>
           </a:p>
@@ -3100,6 +3100,13 @@
   <p:clrMapOvr>
     <a:masterClrMapping/>
   </p:clrMapOvr>
+  <p:timing>
+    <p:tnLst>
+      <p:par>
+        <p:cTn id="1" dur="indefinite" restart="never" nodeType="tmRoot"/>
+      </p:par>
+    </p:tnLst>
+  </p:timing>
 </p:sld>
 </file>
 
@@ -3252,6 +3259,13 @@
   <p:clrMapOvr>
     <a:masterClrMapping/>
   </p:clrMapOvr>
+  <p:timing>
+    <p:tnLst>
+      <p:par>
+        <p:cTn id="1" dur="indefinite" restart="never" nodeType="tmRoot"/>
+      </p:par>
+    </p:tnLst>
+  </p:timing>
 </p:sld>
 </file>
 
